--- a/training/ThiTruong/AppThiThuong.pptx
+++ b/training/ThiTruong/AppThiThuong.pptx
@@ -5,7 +5,7 @@
     <p:sldMasterId id="2147483648" r:id="rId1"/>
   </p:sldMasterIdLst>
   <p:notesMasterIdLst>
-    <p:notesMasterId r:id="rId14"/>
+    <p:notesMasterId r:id="rId15"/>
   </p:notesMasterIdLst>
   <p:sldIdLst>
     <p:sldId id="680" r:id="rId2"/>
@@ -18,13 +18,14 @@
     <p:sldId id="719" r:id="rId9"/>
     <p:sldId id="724" r:id="rId10"/>
     <p:sldId id="726" r:id="rId11"/>
-    <p:sldId id="727" r:id="rId12"/>
-    <p:sldId id="721" r:id="rId13"/>
+    <p:sldId id="728" r:id="rId12"/>
+    <p:sldId id="727" r:id="rId13"/>
+    <p:sldId id="721" r:id="rId14"/>
   </p:sldIdLst>
   <p:sldSz cx="12192000" cy="6858000"/>
   <p:notesSz cx="6858000" cy="9144000"/>
   <p:custDataLst>
-    <p:tags r:id="rId15"/>
+    <p:tags r:id="rId16"/>
   </p:custDataLst>
   <p:defaultTextStyle>
     <a:defPPr>
@@ -136,6 +137,7 @@
             <p14:sldId id="719"/>
             <p14:sldId id="724"/>
             <p14:sldId id="726"/>
+            <p14:sldId id="728"/>
             <p14:sldId id="727"/>
             <p14:sldId id="721"/>
           </p14:sldIdLst>
@@ -260,7 +262,7 @@
           <a:p>
             <a:fld id="{EC80E59F-BCDF-B547-B5F0-80FB1F5C3587}" type="datetimeFigureOut">
               <a:rPr lang="en-US" smtClean="0"/>
-              <a:t>11/16/2017</a:t>
+              <a:t>12/14/2017</a:t>
             </a:fld>
             <a:endParaRPr lang="en-US"/>
           </a:p>
@@ -831,7 +833,7 @@
           <a:p>
             <a:fld id="{A0402198-1F64-4C29-A39A-6449FC681DFE}" type="datetime1">
               <a:rPr lang="en-US" smtClean="0"/>
-              <a:t>11/16/2017</a:t>
+              <a:t>12/14/2017</a:t>
             </a:fld>
             <a:endParaRPr lang="en-US"/>
           </a:p>
@@ -1046,7 +1048,7 @@
           <a:p>
             <a:fld id="{C7392E1C-E738-46FC-BBDC-99DCFE136CD1}" type="datetime1">
               <a:rPr lang="en-US" smtClean="0"/>
-              <a:t>11/16/2017</a:t>
+              <a:t>12/14/2017</a:t>
             </a:fld>
             <a:endParaRPr lang="en-US"/>
           </a:p>
@@ -1264,7 +1266,7 @@
           <a:p>
             <a:fld id="{3469A188-72B9-45B7-B36A-D8157BE0E8DA}" type="datetime1">
               <a:rPr lang="en-US" smtClean="0"/>
-              <a:t>11/16/2017</a:t>
+              <a:t>12/14/2017</a:t>
             </a:fld>
             <a:endParaRPr lang="en-US"/>
           </a:p>
@@ -1489,7 +1491,7 @@
           <a:p>
             <a:fld id="{57D00853-0418-48B1-B306-CB141E6BA0CD}" type="datetime1">
               <a:rPr lang="en-US" smtClean="0"/>
-              <a:t>11/16/2017</a:t>
+              <a:t>12/14/2017</a:t>
             </a:fld>
             <a:endParaRPr lang="en-US"/>
           </a:p>
@@ -2049,7 +2051,7 @@
           <a:p>
             <a:fld id="{89E3A7F1-B45B-468D-9371-A8721D15CE93}" type="datetime1">
               <a:rPr lang="en-US" smtClean="0"/>
-              <a:t>11/16/2017</a:t>
+              <a:t>12/14/2017</a:t>
             </a:fld>
             <a:endParaRPr lang="en-US"/>
           </a:p>
@@ -2522,7 +2524,7 @@
           <a:p>
             <a:fld id="{5BA62228-A19F-449A-8618-7AC28C0B16EF}" type="datetime1">
               <a:rPr lang="en-US" smtClean="0"/>
-              <a:t>11/16/2017</a:t>
+              <a:t>12/14/2017</a:t>
             </a:fld>
             <a:endParaRPr lang="en-US"/>
           </a:p>
@@ -2767,7 +2769,7 @@
           <a:p>
             <a:fld id="{19F6D687-D7EE-4ACC-A6EA-87D5E3449757}" type="datetime1">
               <a:rPr lang="en-US" smtClean="0"/>
-              <a:t>11/16/2017</a:t>
+              <a:t>12/14/2017</a:t>
             </a:fld>
             <a:endParaRPr lang="en-US"/>
           </a:p>
@@ -2900,7 +2902,7 @@
           <a:p>
             <a:fld id="{7A086C6E-15B7-4614-9655-89A6044AEE4A}" type="datetime1">
               <a:rPr lang="en-US" smtClean="0"/>
-              <a:t>11/16/2017</a:t>
+              <a:t>12/14/2017</a:t>
             </a:fld>
             <a:endParaRPr lang="en-US"/>
           </a:p>
@@ -3180,7 +3182,7 @@
           <a:p>
             <a:fld id="{E6A0B438-073B-4A95-8862-ABC64D650870}" type="datetime1">
               <a:rPr lang="en-US" smtClean="0"/>
-              <a:t>11/16/2017</a:t>
+              <a:t>12/14/2017</a:t>
             </a:fld>
             <a:endParaRPr lang="en-US"/>
           </a:p>
@@ -3436,7 +3438,7 @@
           <a:p>
             <a:fld id="{DA14E809-786C-4D6A-9072-2204776426EE}" type="datetime1">
               <a:rPr lang="en-US" smtClean="0"/>
-              <a:t>11/16/2017</a:t>
+              <a:t>12/14/2017</a:t>
             </a:fld>
             <a:endParaRPr lang="en-US"/>
           </a:p>
@@ -3704,7 +3706,7 @@
           <a:p>
             <a:fld id="{1EED1621-9973-4F4E-8E8C-2C154D9EAEF4}" type="datetime1">
               <a:rPr lang="en-US" smtClean="0"/>
-              <a:t>11/16/2017</a:t>
+              <a:t>12/14/2017</a:t>
             </a:fld>
             <a:endParaRPr lang="en-US"/>
           </a:p>
@@ -4200,7 +4202,7 @@
             <a:fld id="{C4DD84D0-4EFB-435D-9115-4B796025CADE}" type="datetime1">
               <a:rPr lang="en-US" smtClean="0"/>
               <a:pPr/>
-              <a:t>11/16/2017</a:t>
+              <a:t>12/14/2017</a:t>
             </a:fld>
             <a:endParaRPr lang="en-US"/>
           </a:p>
@@ -5044,6 +5046,109 @@
         </p:nvSpPr>
         <p:spPr>
           <a:xfrm>
+            <a:off x="838200" y="352425"/>
+            <a:ext cx="10515600" cy="4839007"/>
+          </a:xfrm>
+        </p:spPr>
+        <p:txBody>
+          <a:bodyPr>
+            <a:normAutofit/>
+          </a:bodyPr>
+          <a:lstStyle/>
+          <a:p>
+            <a:r>
+              <a:rPr lang="vi-VN" dirty="0" smtClean="0"/>
+              <a:t>Nguồn tham khảo </a:t>
+            </a:r>
+            <a:r>
+              <a:rPr lang="vi-VN" dirty="0"/>
+              <a:t>: https://www.youtube.com/watch?v=S-lt4ReIodw&amp;list=PLzrVYRai0riTLPLclyGuByHvZ8_tDZZIr </a:t>
+            </a:r>
+            <a:br>
+              <a:rPr lang="vi-VN" dirty="0"/>
+            </a:br>
+            <a:r>
+              <a:rPr lang="en-GB" b="0" dirty="0"/>
+              <a:t>New Firebase in </a:t>
+            </a:r>
+            <a:r>
+              <a:rPr lang="en-GB" b="0" dirty="0" smtClean="0"/>
+              <a:t>Android</a:t>
+            </a:r>
+            <a:r>
+              <a:rPr lang="vi-VN" b="0" smtClean="0"/>
+              <a:t> Khoa Pham</a:t>
+            </a:r>
+            <a:r>
+              <a:rPr lang="en-GB" b="0" dirty="0"/>
+              <a:t/>
+            </a:r>
+            <a:br>
+              <a:rPr lang="en-GB" b="0" dirty="0"/>
+            </a:br>
+            <a:r>
+              <a:rPr lang="vi-VN" dirty="0" smtClean="0"/>
+              <a:t/>
+            </a:r>
+            <a:br>
+              <a:rPr lang="vi-VN" dirty="0" smtClean="0"/>
+            </a:br>
+            <a:r>
+              <a:rPr lang="vi-VN" dirty="0"/>
+              <a:t/>
+            </a:r>
+            <a:br>
+              <a:rPr lang="vi-VN" dirty="0"/>
+            </a:br>
+            <a:endParaRPr lang="en-GB" dirty="0"/>
+          </a:p>
+        </p:txBody>
+      </p:sp>
+    </p:spTree>
+    <p:extLst>
+      <p:ext uri="{BB962C8B-B14F-4D97-AF65-F5344CB8AC3E}">
+        <p14:creationId xmlns:p14="http://schemas.microsoft.com/office/powerpoint/2010/main" val="3546479678"/>
+      </p:ext>
+    </p:extLst>
+  </p:cSld>
+  <p:clrMapOvr>
+    <a:masterClrMapping/>
+  </p:clrMapOvr>
+  <p:transition spd="slow">
+    <p:push dir="u"/>
+  </p:transition>
+</p:sld>
+</file>
+
+<file path=ppt/slides/slide12.xml><?xml version="1.0" encoding="utf-8"?>
+<p:sld xmlns:a="http://schemas.openxmlformats.org/drawingml/2006/main" xmlns:r="http://schemas.openxmlformats.org/officeDocument/2006/relationships" xmlns:p="http://schemas.openxmlformats.org/presentationml/2006/main">
+  <p:cSld>
+    <p:spTree>
+      <p:nvGrpSpPr>
+        <p:cNvPr id="1" name=""/>
+        <p:cNvGrpSpPr/>
+        <p:nvPr/>
+      </p:nvGrpSpPr>
+      <p:grpSpPr>
+        <a:xfrm>
+          <a:off x="0" y="0"/>
+          <a:ext cx="0" cy="0"/>
+          <a:chOff x="0" y="0"/>
+          <a:chExt cx="0" cy="0"/>
+        </a:xfrm>
+      </p:grpSpPr>
+      <p:sp>
+        <p:nvSpPr>
+          <p:cNvPr id="2" name="Title 1"/>
+          <p:cNvSpPr>
+            <a:spLocks noGrp="1"/>
+          </p:cNvSpPr>
+          <p:nvPr>
+            <p:ph type="title"/>
+          </p:nvPr>
+        </p:nvSpPr>
+        <p:spPr>
+          <a:xfrm>
             <a:off x="956187" y="2476193"/>
             <a:ext cx="10515600" cy="1057275"/>
           </a:xfrm>
@@ -5079,7 +5184,7 @@
 </p:sld>
 </file>
 
-<file path=ppt/slides/slide12.xml><?xml version="1.0" encoding="utf-8"?>
+<file path=ppt/slides/slide13.xml><?xml version="1.0" encoding="utf-8"?>
 <p:sld xmlns:a="http://schemas.openxmlformats.org/drawingml/2006/main" xmlns:r="http://schemas.openxmlformats.org/officeDocument/2006/relationships" xmlns:p="http://schemas.openxmlformats.org/presentationml/2006/main">
   <p:cSld>
     <p:spTree>
